--- a/Grp3 FINAL FINAL PPT.pptx
+++ b/Grp3 FINAL FINAL PPT.pptx
@@ -27457,187 +27457,6 @@
       </p:grpSp>
       <p:grpSp>
         <p:nvGrpSpPr>
-          <p:cNvPr id="7" name="Group 6">
-            <a:extLst>
-              <a:ext uri="{FF2B5EF4-FFF2-40B4-BE49-F238E27FC236}">
-                <a16:creationId xmlns:a16="http://schemas.microsoft.com/office/drawing/2014/main" id="{3EB3ED53-9E3B-90DC-4A32-BD15BB668DB4}"/>
-              </a:ext>
-            </a:extLst>
-          </p:cNvPr>
-          <p:cNvGrpSpPr/>
-          <p:nvPr/>
-        </p:nvGrpSpPr>
-        <p:grpSpPr>
-          <a:xfrm>
-            <a:off x="4063999" y="0"/>
-            <a:ext cx="4502147" cy="6858000"/>
-            <a:chOff x="4063999" y="0"/>
-            <a:chExt cx="4502147" cy="6858000"/>
-          </a:xfrm>
-        </p:grpSpPr>
-        <p:sp>
-          <p:nvSpPr>
-            <p:cNvPr id="18" name="Freeform: Shape 17">
-              <a:extLst>
-                <a:ext uri="{FF2B5EF4-FFF2-40B4-BE49-F238E27FC236}">
-                  <a16:creationId xmlns:a16="http://schemas.microsoft.com/office/drawing/2014/main" id="{592B6536-5FBF-2B25-25BA-A48563FAAD8C}"/>
-                </a:ext>
-              </a:extLst>
-            </p:cNvPr>
-            <p:cNvSpPr/>
-            <p:nvPr/>
-          </p:nvSpPr>
-          <p:spPr>
-            <a:xfrm>
-              <a:off x="4063999" y="0"/>
-              <a:ext cx="4502147" cy="6858000"/>
-            </a:xfrm>
-            <a:custGeom>
-              <a:avLst/>
-              <a:gdLst>
-                <a:gd name="connsiteX0" fmla="*/ 0 w 4502147"/>
-                <a:gd name="connsiteY0" fmla="*/ 0 h 6858000"/>
-                <a:gd name="connsiteX1" fmla="*/ 4064000 w 4502147"/>
-                <a:gd name="connsiteY1" fmla="*/ 0 h 6858000"/>
-                <a:gd name="connsiteX2" fmla="*/ 4064000 w 4502147"/>
-                <a:gd name="connsiteY2" fmla="*/ 168280 h 6858000"/>
-                <a:gd name="connsiteX3" fmla="*/ 4502147 w 4502147"/>
-                <a:gd name="connsiteY3" fmla="*/ 498479 h 6858000"/>
-                <a:gd name="connsiteX4" fmla="*/ 4064000 w 4502147"/>
-                <a:gd name="connsiteY4" fmla="*/ 828676 h 6858000"/>
-                <a:gd name="connsiteX5" fmla="*/ 4064000 w 4502147"/>
-                <a:gd name="connsiteY5" fmla="*/ 6858000 h 6858000"/>
-                <a:gd name="connsiteX6" fmla="*/ 0 w 4502147"/>
-                <a:gd name="connsiteY6" fmla="*/ 6858000 h 6858000"/>
-              </a:gdLst>
-              <a:ahLst/>
-              <a:cxnLst>
-                <a:cxn ang="0">
-                  <a:pos x="connsiteX0" y="connsiteY0"/>
-                </a:cxn>
-                <a:cxn ang="0">
-                  <a:pos x="connsiteX1" y="connsiteY1"/>
-                </a:cxn>
-                <a:cxn ang="0">
-                  <a:pos x="connsiteX2" y="connsiteY2"/>
-                </a:cxn>
-                <a:cxn ang="0">
-                  <a:pos x="connsiteX3" y="connsiteY3"/>
-                </a:cxn>
-                <a:cxn ang="0">
-                  <a:pos x="connsiteX4" y="connsiteY4"/>
-                </a:cxn>
-                <a:cxn ang="0">
-                  <a:pos x="connsiteX5" y="connsiteY5"/>
-                </a:cxn>
-                <a:cxn ang="0">
-                  <a:pos x="connsiteX6" y="connsiteY6"/>
-                </a:cxn>
-              </a:cxnLst>
-              <a:rect l="l" t="t" r="r" b="b"/>
-              <a:pathLst>
-                <a:path w="4502147" h="6858000">
-                  <a:moveTo>
-                    <a:pt x="0" y="0"/>
-                  </a:moveTo>
-                  <a:lnTo>
-                    <a:pt x="4064000" y="0"/>
-                  </a:lnTo>
-                  <a:lnTo>
-                    <a:pt x="4064000" y="168280"/>
-                  </a:lnTo>
-                  <a:lnTo>
-                    <a:pt x="4502147" y="498479"/>
-                  </a:lnTo>
-                  <a:lnTo>
-                    <a:pt x="4064000" y="828676"/>
-                  </a:lnTo>
-                  <a:lnTo>
-                    <a:pt x="4064000" y="6858000"/>
-                  </a:lnTo>
-                  <a:lnTo>
-                    <a:pt x="0" y="6858000"/>
-                  </a:lnTo>
-                  <a:close/>
-                </a:path>
-              </a:pathLst>
-            </a:custGeom>
-            <a:solidFill>
-              <a:schemeClr val="tx1">
-                <a:lumMod val="65000"/>
-                <a:lumOff val="35000"/>
-              </a:schemeClr>
-            </a:solidFill>
-            <a:ln>
-              <a:noFill/>
-            </a:ln>
-            <a:effectLst>
-              <a:outerShdw blurRad="101600" dist="38100" algn="l" rotWithShape="0">
-                <a:prstClr val="black">
-                  <a:alpha val="70000"/>
-                </a:prstClr>
-              </a:outerShdw>
-            </a:effectLst>
-          </p:spPr>
-          <p:style>
-            <a:lnRef idx="2">
-              <a:schemeClr val="accent1">
-                <a:shade val="15000"/>
-              </a:schemeClr>
-            </a:lnRef>
-            <a:fillRef idx="1">
-              <a:schemeClr val="accent1"/>
-            </a:fillRef>
-            <a:effectRef idx="0">
-              <a:schemeClr val="accent1"/>
-            </a:effectRef>
-            <a:fontRef idx="minor">
-              <a:schemeClr val="lt1"/>
-            </a:fontRef>
-          </p:style>
-          <p:txBody>
-            <a:bodyPr wrap="square" rtlCol="0" anchor="ctr">
-              <a:noAutofit/>
-            </a:bodyPr>
-            <a:lstStyle/>
-            <a:p>
-              <a:pPr algn="ctr"/>
-              <a:endParaRPr lang="en-IN"/>
-            </a:p>
-          </p:txBody>
-        </p:sp>
-        <p:pic>
-          <p:nvPicPr>
-            <p:cNvPr id="5" name="Picture 4">
-              <a:extLst>
-                <a:ext uri="{FF2B5EF4-FFF2-40B4-BE49-F238E27FC236}">
-                  <a16:creationId xmlns:a16="http://schemas.microsoft.com/office/drawing/2014/main" id="{8EFE483A-85B8-54CB-A378-93875EF52D01}"/>
-                </a:ext>
-              </a:extLst>
-            </p:cNvPr>
-            <p:cNvPicPr>
-              <a:picLocks noChangeAspect="1"/>
-            </p:cNvPicPr>
-            <p:nvPr/>
-          </p:nvPicPr>
-          <p:blipFill rotWithShape="1">
-            <a:blip r:embed="rId2"/>
-            <a:srcRect l="32" r="-1093"/>
-            <a:stretch/>
-          </p:blipFill>
-          <p:spPr>
-            <a:xfrm>
-              <a:off x="4495797" y="628650"/>
-              <a:ext cx="3276604" cy="6140450"/>
-            </a:xfrm>
-            <a:prstGeom prst="rect">
-              <a:avLst/>
-            </a:prstGeom>
-          </p:spPr>
-        </p:pic>
-      </p:grpSp>
-      <p:grpSp>
-        <p:nvGrpSpPr>
           <p:cNvPr id="9" name="Group 8">
             <a:extLst>
               <a:ext uri="{FF2B5EF4-FFF2-40B4-BE49-F238E27FC236}">
@@ -27650,7 +27469,7 @@
         </p:nvGrpSpPr>
         <p:grpSpPr>
           <a:xfrm>
-            <a:off x="-4768" y="0"/>
+            <a:off x="0" y="0"/>
             <a:ext cx="4506916" cy="6858000"/>
             <a:chOff x="-4768" y="0"/>
             <a:chExt cx="4506916" cy="6858000"/>
@@ -28148,7 +27967,7 @@
           <p:nvPr/>
         </p:nvPicPr>
         <p:blipFill>
-          <a:blip r:embed="rId3">
+          <a:blip r:embed="rId2">
             <a:extLst>
               <a:ext uri="{28A0092B-C50C-407E-A947-70E740481C1C}">
                 <a14:useLocalDpi xmlns:a14="http://schemas.microsoft.com/office/drawing/2010/main" val="0"/>
@@ -28163,6 +27982,36 @@
           <a:xfrm>
             <a:off x="13782675" y="2279651"/>
             <a:ext cx="8096250" cy="3962400"/>
+          </a:xfrm>
+          <a:prstGeom prst="rect">
+            <a:avLst/>
+          </a:prstGeom>
+        </p:spPr>
+      </p:pic>
+      <p:pic>
+        <p:nvPicPr>
+          <p:cNvPr id="6" name="Picture 5">
+            <a:extLst>
+              <a:ext uri="{FF2B5EF4-FFF2-40B4-BE49-F238E27FC236}">
+                <a16:creationId xmlns:a16="http://schemas.microsoft.com/office/drawing/2014/main" id="{3B27F9F0-9D64-FC56-2FCC-C31FA5B6C2DC}"/>
+              </a:ext>
+            </a:extLst>
+          </p:cNvPr>
+          <p:cNvPicPr>
+            <a:picLocks noChangeAspect="1"/>
+          </p:cNvPicPr>
+          <p:nvPr/>
+        </p:nvPicPr>
+        <p:blipFill>
+          <a:blip r:embed="rId3"/>
+          <a:stretch>
+            <a:fillRect/>
+          </a:stretch>
+        </p:blipFill>
+        <p:spPr>
+          <a:xfrm>
+            <a:off x="4121488" y="1020588"/>
+            <a:ext cx="3949024" cy="5091143"/>
           </a:xfrm>
           <a:prstGeom prst="rect">
             <a:avLst/>
